--- a/images/rl_algos.pptx
+++ b/images/rl_algos.pptx
@@ -288,7 +288,7 @@
           <a:p>
             <a:fld id="{860E8F77-DC64-AA4C-8F34-1C34EF1FA77F}" type="datetimeFigureOut">
               <a:rPr lang="en-US" smtClean="0"/>
-              <a:t>3/19/19</a:t>
+              <a:t>3/20/19</a:t>
             </a:fld>
             <a:endParaRPr lang="en-US"/>
           </a:p>
@@ -458,7 +458,7 @@
           <a:p>
             <a:fld id="{860E8F77-DC64-AA4C-8F34-1C34EF1FA77F}" type="datetimeFigureOut">
               <a:rPr lang="en-US" smtClean="0"/>
-              <a:t>3/19/19</a:t>
+              <a:t>3/20/19</a:t>
             </a:fld>
             <a:endParaRPr lang="en-US"/>
           </a:p>
@@ -638,7 +638,7 @@
           <a:p>
             <a:fld id="{860E8F77-DC64-AA4C-8F34-1C34EF1FA77F}" type="datetimeFigureOut">
               <a:rPr lang="en-US" smtClean="0"/>
-              <a:t>3/19/19</a:t>
+              <a:t>3/20/19</a:t>
             </a:fld>
             <a:endParaRPr lang="en-US"/>
           </a:p>
@@ -808,7 +808,7 @@
           <a:p>
             <a:fld id="{860E8F77-DC64-AA4C-8F34-1C34EF1FA77F}" type="datetimeFigureOut">
               <a:rPr lang="en-US" smtClean="0"/>
-              <a:t>3/19/19</a:t>
+              <a:t>3/20/19</a:t>
             </a:fld>
             <a:endParaRPr lang="en-US"/>
           </a:p>
@@ -1054,7 +1054,7 @@
           <a:p>
             <a:fld id="{860E8F77-DC64-AA4C-8F34-1C34EF1FA77F}" type="datetimeFigureOut">
               <a:rPr lang="en-US" smtClean="0"/>
-              <a:t>3/19/19</a:t>
+              <a:t>3/20/19</a:t>
             </a:fld>
             <a:endParaRPr lang="en-US"/>
           </a:p>
@@ -1342,7 +1342,7 @@
           <a:p>
             <a:fld id="{860E8F77-DC64-AA4C-8F34-1C34EF1FA77F}" type="datetimeFigureOut">
               <a:rPr lang="en-US" smtClean="0"/>
-              <a:t>3/19/19</a:t>
+              <a:t>3/20/19</a:t>
             </a:fld>
             <a:endParaRPr lang="en-US"/>
           </a:p>
@@ -1764,7 +1764,7 @@
           <a:p>
             <a:fld id="{860E8F77-DC64-AA4C-8F34-1C34EF1FA77F}" type="datetimeFigureOut">
               <a:rPr lang="en-US" smtClean="0"/>
-              <a:t>3/19/19</a:t>
+              <a:t>3/20/19</a:t>
             </a:fld>
             <a:endParaRPr lang="en-US"/>
           </a:p>
@@ -1882,7 +1882,7 @@
           <a:p>
             <a:fld id="{860E8F77-DC64-AA4C-8F34-1C34EF1FA77F}" type="datetimeFigureOut">
               <a:rPr lang="en-US" smtClean="0"/>
-              <a:t>3/19/19</a:t>
+              <a:t>3/20/19</a:t>
             </a:fld>
             <a:endParaRPr lang="en-US"/>
           </a:p>
@@ -1977,7 +1977,7 @@
           <a:p>
             <a:fld id="{860E8F77-DC64-AA4C-8F34-1C34EF1FA77F}" type="datetimeFigureOut">
               <a:rPr lang="en-US" smtClean="0"/>
-              <a:t>3/19/19</a:t>
+              <a:t>3/20/19</a:t>
             </a:fld>
             <a:endParaRPr lang="en-US"/>
           </a:p>
@@ -2254,7 +2254,7 @@
           <a:p>
             <a:fld id="{860E8F77-DC64-AA4C-8F34-1C34EF1FA77F}" type="datetimeFigureOut">
               <a:rPr lang="en-US" smtClean="0"/>
-              <a:t>3/19/19</a:t>
+              <a:t>3/20/19</a:t>
             </a:fld>
             <a:endParaRPr lang="en-US"/>
           </a:p>
@@ -2507,7 +2507,7 @@
           <a:p>
             <a:fld id="{860E8F77-DC64-AA4C-8F34-1C34EF1FA77F}" type="datetimeFigureOut">
               <a:rPr lang="en-US" smtClean="0"/>
-              <a:t>3/19/19</a:t>
+              <a:t>3/20/19</a:t>
             </a:fld>
             <a:endParaRPr lang="en-US"/>
           </a:p>
@@ -2720,7 +2720,7 @@
           <a:p>
             <a:fld id="{860E8F77-DC64-AA4C-8F34-1C34EF1FA77F}" type="datetimeFigureOut">
               <a:rPr lang="en-US" smtClean="0"/>
-              <a:t>3/19/19</a:t>
+              <a:t>3/20/19</a:t>
             </a:fld>
             <a:endParaRPr lang="en-US"/>
           </a:p>
@@ -3103,7 +3103,7 @@
         </p:nvSpPr>
         <p:spPr>
           <a:xfrm>
-            <a:off x="2561058" y="1448555"/>
+            <a:off x="2561058" y="953480"/>
             <a:ext cx="1987541" cy="1374804"/>
           </a:xfrm>
           <a:prstGeom prst="roundRect">
@@ -3111,17 +3111,17 @@
           </a:prstGeom>
         </p:spPr>
         <p:style>
-          <a:lnRef idx="1">
+          <a:lnRef idx="2">
             <a:schemeClr val="accent1"/>
           </a:lnRef>
-          <a:fillRef idx="3">
-            <a:schemeClr val="accent1"/>
+          <a:fillRef idx="1">
+            <a:schemeClr val="lt1"/>
           </a:fillRef>
-          <a:effectRef idx="2">
+          <a:effectRef idx="0">
             <a:schemeClr val="accent1"/>
           </a:effectRef>
           <a:fontRef idx="minor">
-            <a:schemeClr val="lt1"/>
+            <a:schemeClr val="dk1"/>
           </a:fontRef>
         </p:style>
         <p:txBody>
@@ -3130,10 +3130,10 @@
           <a:p>
             <a:pPr algn="ctr"/>
             <a:r>
-              <a:rPr lang="en-US" sz="1600" dirty="0" smtClean="0"/>
+              <a:rPr lang="en-US" sz="2400" dirty="0" smtClean="0"/>
               <a:t>Monte-Carlo methods</a:t>
             </a:r>
-            <a:endParaRPr lang="en-US" sz="1600" dirty="0"/>
+            <a:endParaRPr lang="en-US" sz="2400" dirty="0"/>
           </a:p>
         </p:txBody>
       </p:sp>
@@ -3145,7 +3145,7 @@
         </p:nvSpPr>
         <p:spPr>
           <a:xfrm>
-            <a:off x="6357772" y="1448555"/>
+            <a:off x="6357772" y="953480"/>
             <a:ext cx="1987541" cy="1374804"/>
           </a:xfrm>
           <a:prstGeom prst="roundRect">
@@ -3153,17 +3153,17 @@
           </a:prstGeom>
         </p:spPr>
         <p:style>
-          <a:lnRef idx="1">
+          <a:lnRef idx="2">
             <a:schemeClr val="accent1"/>
           </a:lnRef>
-          <a:fillRef idx="3">
-            <a:schemeClr val="accent1"/>
+          <a:fillRef idx="1">
+            <a:schemeClr val="lt1"/>
           </a:fillRef>
-          <a:effectRef idx="2">
+          <a:effectRef idx="0">
             <a:schemeClr val="accent1"/>
           </a:effectRef>
           <a:fontRef idx="minor">
-            <a:schemeClr val="lt1"/>
+            <a:schemeClr val="dk1"/>
           </a:fontRef>
         </p:style>
         <p:txBody>
@@ -3172,10 +3172,14 @@
           <a:p>
             <a:pPr algn="ctr"/>
             <a:r>
-              <a:rPr lang="en-US" sz="1600" dirty="0" smtClean="0"/>
-              <a:t>TD learning</a:t>
-            </a:r>
-            <a:endParaRPr lang="en-US" sz="1600" dirty="0"/>
+              <a:rPr lang="en-US" sz="2400" dirty="0" smtClean="0"/>
+              <a:t>TD </a:t>
+            </a:r>
+            <a:r>
+              <a:rPr lang="en-US" sz="2400" dirty="0" smtClean="0"/>
+              <a:t>control</a:t>
+            </a:r>
+            <a:endParaRPr lang="en-US" sz="2400" dirty="0"/>
           </a:p>
         </p:txBody>
       </p:sp>
@@ -3187,7 +3191,7 @@
         </p:nvSpPr>
         <p:spPr>
           <a:xfrm>
-            <a:off x="10082340" y="1865263"/>
+            <a:off x="10665304" y="1228090"/>
             <a:ext cx="1987541" cy="1374804"/>
           </a:xfrm>
           <a:prstGeom prst="roundRect">
@@ -3195,17 +3199,17 @@
           </a:prstGeom>
         </p:spPr>
         <p:style>
-          <a:lnRef idx="1">
+          <a:lnRef idx="2">
             <a:schemeClr val="accent1"/>
           </a:lnRef>
-          <a:fillRef idx="3">
-            <a:schemeClr val="accent1"/>
+          <a:fillRef idx="1">
+            <a:schemeClr val="lt1"/>
           </a:fillRef>
-          <a:effectRef idx="2">
+          <a:effectRef idx="0">
             <a:schemeClr val="accent1"/>
           </a:effectRef>
           <a:fontRef idx="minor">
-            <a:schemeClr val="lt1"/>
+            <a:schemeClr val="dk1"/>
           </a:fontRef>
         </p:style>
         <p:txBody>
@@ -3214,10 +3218,10 @@
           <a:p>
             <a:pPr algn="ctr"/>
             <a:r>
-              <a:rPr lang="en-US" sz="1600" dirty="0" smtClean="0"/>
+              <a:rPr lang="en-US" sz="2400" dirty="0" smtClean="0"/>
               <a:t>Q-learning</a:t>
             </a:r>
-            <a:endParaRPr lang="en-US" sz="1600" dirty="0"/>
+            <a:endParaRPr lang="en-US" sz="2400" dirty="0"/>
           </a:p>
         </p:txBody>
       </p:sp>
@@ -3229,25 +3233,25 @@
         </p:nvSpPr>
         <p:spPr>
           <a:xfrm>
-            <a:off x="6508681" y="3817451"/>
-            <a:ext cx="1987541" cy="1143352"/>
+            <a:off x="4854313" y="3034695"/>
+            <a:ext cx="1987541" cy="1018592"/>
           </a:xfrm>
           <a:prstGeom prst="roundRect">
             <a:avLst/>
           </a:prstGeom>
         </p:spPr>
         <p:style>
-          <a:lnRef idx="1">
+          <a:lnRef idx="2">
             <a:schemeClr val="accent1"/>
           </a:lnRef>
-          <a:fillRef idx="3">
-            <a:schemeClr val="accent1"/>
+          <a:fillRef idx="1">
+            <a:schemeClr val="lt1"/>
           </a:fillRef>
-          <a:effectRef idx="2">
+          <a:effectRef idx="0">
             <a:schemeClr val="accent1"/>
           </a:effectRef>
           <a:fontRef idx="minor">
-            <a:schemeClr val="lt1"/>
+            <a:schemeClr val="dk1"/>
           </a:fontRef>
         </p:style>
         <p:txBody>
@@ -3256,10 +3260,10 @@
           <a:p>
             <a:pPr algn="ctr"/>
             <a:r>
-              <a:rPr lang="en-US" sz="1600" dirty="0" smtClean="0"/>
+              <a:rPr lang="en-US" sz="2400" dirty="0" smtClean="0"/>
               <a:t>DQN</a:t>
             </a:r>
-            <a:endParaRPr lang="en-US" sz="1600" dirty="0"/>
+            <a:endParaRPr lang="en-US" sz="2400" dirty="0"/>
           </a:p>
         </p:txBody>
       </p:sp>
@@ -3271,7 +3275,7 @@
         </p:nvSpPr>
         <p:spPr>
           <a:xfrm>
-            <a:off x="1038450" y="5223847"/>
+            <a:off x="1038450" y="4728772"/>
             <a:ext cx="1987541" cy="1143352"/>
           </a:xfrm>
           <a:prstGeom prst="roundRect">
@@ -3279,17 +3283,17 @@
           </a:prstGeom>
         </p:spPr>
         <p:style>
-          <a:lnRef idx="1">
+          <a:lnRef idx="2">
             <a:schemeClr val="accent1"/>
           </a:lnRef>
-          <a:fillRef idx="3">
-            <a:schemeClr val="accent1"/>
+          <a:fillRef idx="1">
+            <a:schemeClr val="lt1"/>
           </a:fillRef>
-          <a:effectRef idx="2">
+          <a:effectRef idx="0">
             <a:schemeClr val="accent1"/>
           </a:effectRef>
           <a:fontRef idx="minor">
-            <a:schemeClr val="lt1"/>
+            <a:schemeClr val="dk1"/>
           </a:fontRef>
         </p:style>
         <p:txBody>
@@ -3298,10 +3302,10 @@
           <a:p>
             <a:pPr algn="ctr"/>
             <a:r>
-              <a:rPr lang="en-US" sz="1600" dirty="0" smtClean="0"/>
+              <a:rPr lang="en-US" sz="2400" dirty="0" smtClean="0"/>
               <a:t>DDQN</a:t>
             </a:r>
-            <a:endParaRPr lang="en-US" sz="1600" dirty="0"/>
+            <a:endParaRPr lang="en-US" sz="2400" dirty="0"/>
           </a:p>
         </p:txBody>
       </p:sp>
@@ -3313,7 +3317,7 @@
         </p:nvSpPr>
         <p:spPr>
           <a:xfrm>
-            <a:off x="3539521" y="5795523"/>
+            <a:off x="3105165" y="5173121"/>
             <a:ext cx="1761063" cy="1143352"/>
           </a:xfrm>
           <a:prstGeom prst="roundRect">
@@ -3321,17 +3325,17 @@
           </a:prstGeom>
         </p:spPr>
         <p:style>
-          <a:lnRef idx="1">
+          <a:lnRef idx="2">
             <a:schemeClr val="accent1"/>
           </a:lnRef>
-          <a:fillRef idx="3">
-            <a:schemeClr val="accent1"/>
+          <a:fillRef idx="1">
+            <a:schemeClr val="lt1"/>
           </a:fillRef>
-          <a:effectRef idx="2">
+          <a:effectRef idx="0">
             <a:schemeClr val="accent1"/>
           </a:effectRef>
           <a:fontRef idx="minor">
-            <a:schemeClr val="lt1"/>
+            <a:schemeClr val="dk1"/>
           </a:fontRef>
         </p:style>
         <p:txBody>
@@ -3340,10 +3344,10 @@
           <a:p>
             <a:pPr algn="ctr"/>
             <a:r>
-              <a:rPr lang="en-US" sz="1600" dirty="0" smtClean="0"/>
+              <a:rPr lang="en-US" sz="2400" dirty="0" smtClean="0"/>
               <a:t>Dueling DQN</a:t>
             </a:r>
-            <a:endParaRPr lang="en-US" sz="1600" dirty="0"/>
+            <a:endParaRPr lang="en-US" sz="2400" dirty="0"/>
           </a:p>
         </p:txBody>
       </p:sp>
@@ -3355,25 +3359,25 @@
         </p:nvSpPr>
         <p:spPr>
           <a:xfrm>
-            <a:off x="5471037" y="6184776"/>
-            <a:ext cx="1618682" cy="1143352"/>
+            <a:off x="5199711" y="5832943"/>
+            <a:ext cx="1826816" cy="1143352"/>
           </a:xfrm>
           <a:prstGeom prst="roundRect">
             <a:avLst/>
           </a:prstGeom>
         </p:spPr>
         <p:style>
-          <a:lnRef idx="1">
+          <a:lnRef idx="2">
             <a:schemeClr val="accent1"/>
           </a:lnRef>
-          <a:fillRef idx="3">
-            <a:schemeClr val="accent1"/>
+          <a:fillRef idx="1">
+            <a:schemeClr val="lt1"/>
           </a:fillRef>
-          <a:effectRef idx="2">
+          <a:effectRef idx="0">
             <a:schemeClr val="accent1"/>
           </a:effectRef>
           <a:fontRef idx="minor">
-            <a:schemeClr val="lt1"/>
+            <a:schemeClr val="dk1"/>
           </a:fontRef>
         </p:style>
         <p:txBody>
@@ -3382,10 +3386,10 @@
           <a:p>
             <a:pPr algn="ctr"/>
             <a:r>
-              <a:rPr lang="en-US" sz="1600" dirty="0" smtClean="0"/>
+              <a:rPr lang="en-US" sz="2400" dirty="0" smtClean="0"/>
               <a:t>Prioritized Experience Replay</a:t>
             </a:r>
-            <a:endParaRPr lang="en-US" sz="1600" dirty="0"/>
+            <a:endParaRPr lang="en-US" sz="2400" dirty="0"/>
           </a:p>
         </p:txBody>
       </p:sp>
@@ -3397,7 +3401,7 @@
         </p:nvSpPr>
         <p:spPr>
           <a:xfrm>
-            <a:off x="9366629" y="6622438"/>
+            <a:off x="9615085" y="6893168"/>
             <a:ext cx="2043990" cy="1143352"/>
           </a:xfrm>
           <a:prstGeom prst="roundRect">
@@ -3405,17 +3409,17 @@
           </a:prstGeom>
         </p:spPr>
         <p:style>
-          <a:lnRef idx="1">
+          <a:lnRef idx="2">
             <a:schemeClr val="accent1"/>
           </a:lnRef>
-          <a:fillRef idx="3">
-            <a:schemeClr val="accent1"/>
+          <a:fillRef idx="1">
+            <a:schemeClr val="lt1"/>
           </a:fillRef>
-          <a:effectRef idx="2">
+          <a:effectRef idx="0">
             <a:schemeClr val="accent1"/>
           </a:effectRef>
           <a:fontRef idx="minor">
-            <a:schemeClr val="lt1"/>
+            <a:schemeClr val="dk1"/>
           </a:fontRef>
         </p:style>
         <p:txBody>
@@ -3424,10 +3428,14 @@
           <a:p>
             <a:pPr algn="ctr"/>
             <a:r>
-              <a:rPr lang="en-US" sz="1600" dirty="0" smtClean="0"/>
-              <a:t>Distributional Q</a:t>
-            </a:r>
-            <a:endParaRPr lang="en-US" sz="1600" dirty="0"/>
+              <a:rPr lang="en-US" sz="2400" dirty="0" smtClean="0"/>
+              <a:t>Distributional </a:t>
+            </a:r>
+            <a:r>
+              <a:rPr lang="en-US" sz="2400" dirty="0" smtClean="0"/>
+              <a:t>DQN</a:t>
+            </a:r>
+            <a:endParaRPr lang="en-US" sz="2400" dirty="0"/>
           </a:p>
         </p:txBody>
       </p:sp>
@@ -3439,7 +3447,7 @@
         </p:nvSpPr>
         <p:spPr>
           <a:xfrm>
-            <a:off x="11695973" y="6739081"/>
+            <a:off x="12083462" y="6972231"/>
             <a:ext cx="1987541" cy="1143352"/>
           </a:xfrm>
           <a:prstGeom prst="roundRect">
@@ -3447,17 +3455,17 @@
           </a:prstGeom>
         </p:spPr>
         <p:style>
-          <a:lnRef idx="1">
+          <a:lnRef idx="2">
             <a:schemeClr val="accent1"/>
           </a:lnRef>
-          <a:fillRef idx="3">
-            <a:schemeClr val="accent1"/>
+          <a:fillRef idx="1">
+            <a:schemeClr val="lt1"/>
           </a:fillRef>
-          <a:effectRef idx="2">
+          <a:effectRef idx="0">
             <a:schemeClr val="accent1"/>
           </a:effectRef>
           <a:fontRef idx="minor">
-            <a:schemeClr val="lt1"/>
+            <a:schemeClr val="dk1"/>
           </a:fontRef>
         </p:style>
         <p:txBody>
@@ -3466,10 +3474,14 @@
           <a:p>
             <a:pPr algn="ctr"/>
             <a:r>
-              <a:rPr lang="en-US" sz="1600" dirty="0" smtClean="0"/>
-              <a:t>Noisy Net Exploration</a:t>
-            </a:r>
-            <a:endParaRPr lang="en-US" sz="1600" dirty="0"/>
+              <a:rPr lang="en-US" sz="2400" dirty="0" smtClean="0"/>
+              <a:t>Noisy </a:t>
+            </a:r>
+            <a:r>
+              <a:rPr lang="en-US" sz="2400" dirty="0" smtClean="0"/>
+              <a:t>DQN</a:t>
+            </a:r>
+            <a:endParaRPr lang="en-US" sz="2400" dirty="0"/>
           </a:p>
         </p:txBody>
       </p:sp>
@@ -3481,7 +3493,7 @@
         </p:nvSpPr>
         <p:spPr>
           <a:xfrm>
-            <a:off x="6522799" y="8348853"/>
+            <a:off x="6587846" y="8154686"/>
             <a:ext cx="1987541" cy="1143352"/>
           </a:xfrm>
           <a:prstGeom prst="roundRect">
@@ -3489,17 +3501,17 @@
           </a:prstGeom>
         </p:spPr>
         <p:style>
-          <a:lnRef idx="1">
+          <a:lnRef idx="2">
             <a:schemeClr val="accent1"/>
           </a:lnRef>
-          <a:fillRef idx="3">
-            <a:schemeClr val="accent1"/>
+          <a:fillRef idx="1">
+            <a:schemeClr val="lt1"/>
           </a:fillRef>
-          <a:effectRef idx="2">
+          <a:effectRef idx="0">
             <a:schemeClr val="accent1"/>
           </a:effectRef>
           <a:fontRef idx="minor">
-            <a:schemeClr val="lt1"/>
+            <a:schemeClr val="dk1"/>
           </a:fontRef>
         </p:style>
         <p:txBody>
@@ -3508,10 +3520,10 @@
           <a:p>
             <a:pPr algn="ctr"/>
             <a:r>
-              <a:rPr lang="en-US" sz="1600" dirty="0" smtClean="0"/>
+              <a:rPr lang="en-US" sz="2400" dirty="0" smtClean="0"/>
               <a:t>Rainbow</a:t>
             </a:r>
-            <a:endParaRPr lang="en-US" sz="1600" dirty="0"/>
+            <a:endParaRPr lang="en-US" sz="2400" dirty="0"/>
           </a:p>
         </p:txBody>
       </p:sp>
@@ -3523,7 +3535,7 @@
         </p:nvSpPr>
         <p:spPr>
           <a:xfrm>
-            <a:off x="1480678" y="8987208"/>
+            <a:off x="1480678" y="8726362"/>
             <a:ext cx="1987541" cy="1143352"/>
           </a:xfrm>
           <a:prstGeom prst="roundRect">
@@ -3531,17 +3543,227 @@
           </a:prstGeom>
         </p:spPr>
         <p:style>
-          <a:lnRef idx="1">
+          <a:lnRef idx="2">
+            <a:schemeClr val="accent3"/>
+          </a:lnRef>
+          <a:fillRef idx="1">
+            <a:schemeClr val="lt1"/>
+          </a:fillRef>
+          <a:effectRef idx="0">
+            <a:schemeClr val="accent3"/>
+          </a:effectRef>
+          <a:fontRef idx="minor">
+            <a:schemeClr val="dk1"/>
+          </a:fontRef>
+        </p:style>
+        <p:txBody>
+          <a:bodyPr rtlCol="0" anchor="ctr"/>
+          <a:lstStyle/>
+          <a:p>
+            <a:pPr algn="ctr"/>
+            <a:r>
+              <a:rPr lang="en-US" sz="2400" dirty="0" smtClean="0"/>
+              <a:t>REINFORCE</a:t>
+            </a:r>
+            <a:endParaRPr lang="en-US" sz="2400" dirty="0"/>
+          </a:p>
+        </p:txBody>
+      </p:sp>
+      <p:sp>
+        <p:nvSpPr>
+          <p:cNvPr id="17" name="Rounded Rectangle 16"/>
+          <p:cNvSpPr/>
+          <p:nvPr/>
+        </p:nvSpPr>
+        <p:spPr>
+          <a:xfrm>
+            <a:off x="3860543" y="11441373"/>
+            <a:ext cx="1987541" cy="1143352"/>
+          </a:xfrm>
+          <a:prstGeom prst="roundRect">
+            <a:avLst/>
+          </a:prstGeom>
+        </p:spPr>
+        <p:style>
+          <a:lnRef idx="2">
+            <a:schemeClr val="accent3"/>
+          </a:lnRef>
+          <a:fillRef idx="1">
+            <a:schemeClr val="lt1"/>
+          </a:fillRef>
+          <a:effectRef idx="0">
+            <a:schemeClr val="accent3"/>
+          </a:effectRef>
+          <a:fontRef idx="minor">
+            <a:schemeClr val="dk1"/>
+          </a:fontRef>
+        </p:style>
+        <p:txBody>
+          <a:bodyPr rtlCol="0" anchor="ctr"/>
+          <a:lstStyle/>
+          <a:p>
+            <a:pPr algn="ctr"/>
+            <a:r>
+              <a:rPr lang="en-US" sz="2400" dirty="0" smtClean="0"/>
+              <a:t>DPG</a:t>
+            </a:r>
+            <a:endParaRPr lang="en-US" sz="2400" dirty="0"/>
+          </a:p>
+        </p:txBody>
+      </p:sp>
+      <p:sp>
+        <p:nvSpPr>
+          <p:cNvPr id="18" name="Rounded Rectangle 17"/>
+          <p:cNvSpPr/>
+          <p:nvPr/>
+        </p:nvSpPr>
+        <p:spPr>
+          <a:xfrm>
+            <a:off x="3860543" y="12748819"/>
+            <a:ext cx="1987541" cy="1143352"/>
+          </a:xfrm>
+          <a:prstGeom prst="roundRect">
+            <a:avLst/>
+          </a:prstGeom>
+        </p:spPr>
+        <p:style>
+          <a:lnRef idx="2">
+            <a:schemeClr val="accent3"/>
+          </a:lnRef>
+          <a:fillRef idx="1">
+            <a:schemeClr val="lt1"/>
+          </a:fillRef>
+          <a:effectRef idx="0">
+            <a:schemeClr val="accent3"/>
+          </a:effectRef>
+          <a:fontRef idx="minor">
+            <a:schemeClr val="dk1"/>
+          </a:fontRef>
+        </p:style>
+        <p:txBody>
+          <a:bodyPr rtlCol="0" anchor="ctr"/>
+          <a:lstStyle/>
+          <a:p>
+            <a:pPr algn="ctr"/>
+            <a:r>
+              <a:rPr lang="en-US" sz="2400" dirty="0" smtClean="0"/>
+              <a:t>DDPG</a:t>
+            </a:r>
+            <a:endParaRPr lang="en-US" sz="2400" dirty="0"/>
+          </a:p>
+        </p:txBody>
+      </p:sp>
+      <p:sp>
+        <p:nvSpPr>
+          <p:cNvPr id="19" name="Rounded Rectangle 18"/>
+          <p:cNvSpPr/>
+          <p:nvPr/>
+        </p:nvSpPr>
+        <p:spPr>
+          <a:xfrm>
+            <a:off x="8321196" y="13320495"/>
+            <a:ext cx="1987541" cy="1143352"/>
+          </a:xfrm>
+          <a:prstGeom prst="roundRect">
+            <a:avLst/>
+          </a:prstGeom>
+        </p:spPr>
+        <p:style>
+          <a:lnRef idx="2">
+            <a:schemeClr val="accent3"/>
+          </a:lnRef>
+          <a:fillRef idx="1">
+            <a:schemeClr val="lt1"/>
+          </a:fillRef>
+          <a:effectRef idx="0">
+            <a:schemeClr val="accent3"/>
+          </a:effectRef>
+          <a:fontRef idx="minor">
+            <a:schemeClr val="dk1"/>
+          </a:fontRef>
+        </p:style>
+        <p:txBody>
+          <a:bodyPr rtlCol="0" anchor="ctr"/>
+          <a:lstStyle/>
+          <a:p>
+            <a:pPr algn="ctr"/>
+            <a:r>
+              <a:rPr lang="en-US" sz="2400" dirty="0" smtClean="0"/>
+              <a:t>D4PG</a:t>
+            </a:r>
+            <a:endParaRPr lang="en-US" sz="2400" dirty="0"/>
+          </a:p>
+        </p:txBody>
+      </p:sp>
+      <p:sp>
+        <p:nvSpPr>
+          <p:cNvPr id="21" name="Rounded Rectangle 20"/>
+          <p:cNvSpPr/>
+          <p:nvPr/>
+        </p:nvSpPr>
+        <p:spPr>
+          <a:xfrm>
+            <a:off x="1514393" y="10885069"/>
+            <a:ext cx="1987541" cy="1143352"/>
+          </a:xfrm>
+          <a:prstGeom prst="roundRect">
+            <a:avLst/>
+          </a:prstGeom>
+        </p:spPr>
+        <p:style>
+          <a:lnRef idx="2">
+            <a:schemeClr val="accent3"/>
+          </a:lnRef>
+          <a:fillRef idx="1">
+            <a:schemeClr val="lt1"/>
+          </a:fillRef>
+          <a:effectRef idx="0">
+            <a:schemeClr val="accent3"/>
+          </a:effectRef>
+          <a:fontRef idx="minor">
+            <a:schemeClr val="dk1"/>
+          </a:fontRef>
+        </p:style>
+        <p:txBody>
+          <a:bodyPr rtlCol="0" anchor="ctr"/>
+          <a:lstStyle/>
+          <a:p>
+            <a:pPr algn="ctr"/>
+            <a:r>
+              <a:rPr lang="en-US" sz="2400" dirty="0" smtClean="0"/>
+              <a:t>Actor-Critic</a:t>
+            </a:r>
+            <a:endParaRPr lang="en-US" sz="2400" dirty="0"/>
+          </a:p>
+        </p:txBody>
+      </p:sp>
+      <p:sp>
+        <p:nvSpPr>
+          <p:cNvPr id="22" name="Rectangle 21"/>
+          <p:cNvSpPr/>
+          <p:nvPr/>
+        </p:nvSpPr>
+        <p:spPr>
+          <a:xfrm>
+            <a:off x="2605739" y="287226"/>
+            <a:ext cx="5969648" cy="416707"/>
+          </a:xfrm>
+          <a:prstGeom prst="rect">
+            <a:avLst/>
+          </a:prstGeom>
+        </p:spPr>
+        <p:style>
+          <a:lnRef idx="2">
             <a:schemeClr val="accent1"/>
           </a:lnRef>
-          <a:fillRef idx="3">
-            <a:schemeClr val="accent1"/>
+          <a:fillRef idx="1">
+            <a:schemeClr val="lt1"/>
           </a:fillRef>
-          <a:effectRef idx="2">
+          <a:effectRef idx="0">
             <a:schemeClr val="accent1"/>
           </a:effectRef>
           <a:fontRef idx="minor">
-            <a:schemeClr val="lt1"/>
+            <a:schemeClr val="dk1"/>
           </a:fontRef>
         </p:style>
         <p:txBody>
@@ -3550,220 +3772,10 @@
           <a:p>
             <a:pPr algn="ctr"/>
             <a:r>
-              <a:rPr lang="en-US" sz="1600" dirty="0" smtClean="0"/>
-              <a:t>REINFORCE</a:t>
-            </a:r>
-            <a:endParaRPr lang="en-US" sz="1600" dirty="0"/>
-          </a:p>
-        </p:txBody>
-      </p:sp>
-      <p:sp>
-        <p:nvSpPr>
-          <p:cNvPr id="17" name="Rounded Rectangle 16"/>
-          <p:cNvSpPr/>
-          <p:nvPr/>
-        </p:nvSpPr>
-        <p:spPr>
-          <a:xfrm>
-            <a:off x="3860543" y="11441373"/>
-            <a:ext cx="1987541" cy="1143352"/>
-          </a:xfrm>
-          <a:prstGeom prst="roundRect">
-            <a:avLst/>
-          </a:prstGeom>
-        </p:spPr>
-        <p:style>
-          <a:lnRef idx="1">
-            <a:schemeClr val="accent1"/>
-          </a:lnRef>
-          <a:fillRef idx="3">
-            <a:schemeClr val="accent1"/>
-          </a:fillRef>
-          <a:effectRef idx="2">
-            <a:schemeClr val="accent1"/>
-          </a:effectRef>
-          <a:fontRef idx="minor">
-            <a:schemeClr val="lt1"/>
-          </a:fontRef>
-        </p:style>
-        <p:txBody>
-          <a:bodyPr rtlCol="0" anchor="ctr"/>
-          <a:lstStyle/>
-          <a:p>
-            <a:pPr algn="ctr"/>
-            <a:r>
-              <a:rPr lang="en-US" sz="1600" dirty="0" smtClean="0"/>
-              <a:t>DPG</a:t>
-            </a:r>
-            <a:endParaRPr lang="en-US" sz="1600" dirty="0"/>
-          </a:p>
-        </p:txBody>
-      </p:sp>
-      <p:sp>
-        <p:nvSpPr>
-          <p:cNvPr id="18" name="Rounded Rectangle 17"/>
-          <p:cNvSpPr/>
-          <p:nvPr/>
-        </p:nvSpPr>
-        <p:spPr>
-          <a:xfrm>
-            <a:off x="3860543" y="12684244"/>
-            <a:ext cx="1987541" cy="1143352"/>
-          </a:xfrm>
-          <a:prstGeom prst="roundRect">
-            <a:avLst/>
-          </a:prstGeom>
-        </p:spPr>
-        <p:style>
-          <a:lnRef idx="1">
-            <a:schemeClr val="accent1"/>
-          </a:lnRef>
-          <a:fillRef idx="3">
-            <a:schemeClr val="accent1"/>
-          </a:fillRef>
-          <a:effectRef idx="2">
-            <a:schemeClr val="accent1"/>
-          </a:effectRef>
-          <a:fontRef idx="minor">
-            <a:schemeClr val="lt1"/>
-          </a:fontRef>
-        </p:style>
-        <p:txBody>
-          <a:bodyPr rtlCol="0" anchor="ctr"/>
-          <a:lstStyle/>
-          <a:p>
-            <a:pPr algn="ctr"/>
-            <a:r>
-              <a:rPr lang="en-US" sz="1600" dirty="0" smtClean="0"/>
-              <a:t>DDPG</a:t>
-            </a:r>
-            <a:endParaRPr lang="en-US" sz="1600" dirty="0"/>
-          </a:p>
-        </p:txBody>
-      </p:sp>
-      <p:sp>
-        <p:nvSpPr>
-          <p:cNvPr id="19" name="Rounded Rectangle 18"/>
-          <p:cNvSpPr/>
-          <p:nvPr/>
-        </p:nvSpPr>
-        <p:spPr>
-          <a:xfrm>
-            <a:off x="8199371" y="13255920"/>
-            <a:ext cx="1987541" cy="1143352"/>
-          </a:xfrm>
-          <a:prstGeom prst="roundRect">
-            <a:avLst/>
-          </a:prstGeom>
-        </p:spPr>
-        <p:style>
-          <a:lnRef idx="1">
-            <a:schemeClr val="accent1"/>
-          </a:lnRef>
-          <a:fillRef idx="3">
-            <a:schemeClr val="accent1"/>
-          </a:fillRef>
-          <a:effectRef idx="2">
-            <a:schemeClr val="accent1"/>
-          </a:effectRef>
-          <a:fontRef idx="minor">
-            <a:schemeClr val="lt1"/>
-          </a:fontRef>
-        </p:style>
-        <p:txBody>
-          <a:bodyPr rtlCol="0" anchor="ctr"/>
-          <a:lstStyle/>
-          <a:p>
-            <a:pPr algn="ctr"/>
-            <a:r>
-              <a:rPr lang="en-US" sz="1600" dirty="0" smtClean="0"/>
-              <a:t>D4PG</a:t>
-            </a:r>
-            <a:endParaRPr lang="en-US" sz="1600" dirty="0"/>
-          </a:p>
-        </p:txBody>
-      </p:sp>
-      <p:sp>
-        <p:nvSpPr>
-          <p:cNvPr id="21" name="Rounded Rectangle 20"/>
-          <p:cNvSpPr/>
-          <p:nvPr/>
-        </p:nvSpPr>
-        <p:spPr>
-          <a:xfrm>
-            <a:off x="1480678" y="10969216"/>
-            <a:ext cx="1987541" cy="1143352"/>
-          </a:xfrm>
-          <a:prstGeom prst="roundRect">
-            <a:avLst/>
-          </a:prstGeom>
-        </p:spPr>
-        <p:style>
-          <a:lnRef idx="1">
-            <a:schemeClr val="accent1"/>
-          </a:lnRef>
-          <a:fillRef idx="3">
-            <a:schemeClr val="accent1"/>
-          </a:fillRef>
-          <a:effectRef idx="2">
-            <a:schemeClr val="accent1"/>
-          </a:effectRef>
-          <a:fontRef idx="minor">
-            <a:schemeClr val="lt1"/>
-          </a:fontRef>
-        </p:style>
-        <p:txBody>
-          <a:bodyPr rtlCol="0" anchor="ctr"/>
-          <a:lstStyle/>
-          <a:p>
-            <a:pPr algn="ctr"/>
-            <a:r>
-              <a:rPr lang="en-US" sz="1600" dirty="0" smtClean="0"/>
-              <a:t>Actor-Critic</a:t>
-            </a:r>
-            <a:endParaRPr lang="en-US" sz="1600" dirty="0"/>
-          </a:p>
-        </p:txBody>
-      </p:sp>
-      <p:sp>
-        <p:nvSpPr>
-          <p:cNvPr id="22" name="Rectangle 21"/>
-          <p:cNvSpPr/>
-          <p:nvPr/>
-        </p:nvSpPr>
-        <p:spPr>
-          <a:xfrm>
-            <a:off x="2032221" y="337336"/>
-            <a:ext cx="5969648" cy="416707"/>
-          </a:xfrm>
-          <a:prstGeom prst="rect">
-            <a:avLst/>
-          </a:prstGeom>
-        </p:spPr>
-        <p:style>
-          <a:lnRef idx="1">
-            <a:schemeClr val="accent1"/>
-          </a:lnRef>
-          <a:fillRef idx="3">
-            <a:schemeClr val="accent1"/>
-          </a:fillRef>
-          <a:effectRef idx="2">
-            <a:schemeClr val="accent1"/>
-          </a:effectRef>
-          <a:fontRef idx="minor">
-            <a:schemeClr val="lt1"/>
-          </a:fontRef>
-        </p:style>
-        <p:txBody>
-          <a:bodyPr rtlCol="0" anchor="ctr"/>
-          <a:lstStyle/>
-          <a:p>
-            <a:pPr algn="ctr"/>
-            <a:r>
-              <a:rPr lang="en-US" dirty="0" smtClean="0"/>
+              <a:rPr lang="en-US" sz="2400" dirty="0" smtClean="0"/>
               <a:t>Bellman Equation</a:t>
             </a:r>
-            <a:endParaRPr lang="en-US" dirty="0"/>
+            <a:endParaRPr lang="en-US" sz="2400" dirty="0"/>
           </a:p>
         </p:txBody>
       </p:sp>
@@ -3778,8 +3790,8 @@
         </p:nvCxnSpPr>
         <p:spPr>
           <a:xfrm flipH="1">
-            <a:off x="7502452" y="3240067"/>
-            <a:ext cx="3573659" cy="577384"/>
+            <a:off x="5848084" y="2602894"/>
+            <a:ext cx="5810991" cy="431801"/>
           </a:xfrm>
           <a:prstGeom prst="straightConnector1">
             <a:avLst/>
@@ -3792,14 +3804,14 @@
           <a:lnRef idx="2">
             <a:schemeClr val="accent1"/>
           </a:lnRef>
-          <a:fillRef idx="0">
-            <a:schemeClr val="accent1"/>
+          <a:fillRef idx="1">
+            <a:schemeClr val="lt1"/>
           </a:fillRef>
-          <a:effectRef idx="1">
+          <a:effectRef idx="0">
             <a:schemeClr val="accent1"/>
           </a:effectRef>
           <a:fontRef idx="minor">
-            <a:schemeClr val="tx1"/>
+            <a:schemeClr val="dk1"/>
           </a:fontRef>
         </p:style>
       </p:cxnSp>
@@ -3811,14 +3823,38 @@
         </p:nvSpPr>
         <p:spPr>
           <a:xfrm>
-            <a:off x="8199371" y="3210808"/>
-            <a:ext cx="1854482" cy="646331"/>
+            <a:off x="7945776" y="2602894"/>
+            <a:ext cx="2044149" cy="707886"/>
           </a:xfrm>
           <a:prstGeom prst="rect">
             <a:avLst/>
           </a:prstGeom>
-          <a:noFill/>
-        </p:spPr>
+          <a:solidFill>
+            <a:schemeClr val="bg1"/>
+          </a:solidFill>
+          <a:ln>
+            <a:solidFill>
+              <a:schemeClr val="accent6">
+                <a:lumMod val="40000"/>
+                <a:lumOff val="60000"/>
+              </a:schemeClr>
+            </a:solidFill>
+          </a:ln>
+        </p:spPr>
+        <p:style>
+          <a:lnRef idx="2">
+            <a:schemeClr val="accent6"/>
+          </a:lnRef>
+          <a:fillRef idx="1">
+            <a:schemeClr val="lt1"/>
+          </a:fillRef>
+          <a:effectRef idx="0">
+            <a:schemeClr val="accent6"/>
+          </a:effectRef>
+          <a:fontRef idx="minor">
+            <a:schemeClr val="dk1"/>
+          </a:fontRef>
+        </p:style>
         <p:txBody>
           <a:bodyPr wrap="none" rtlCol="0">
             <a:spAutoFit/>
@@ -3826,16 +3862,28 @@
           <a:lstStyle/>
           <a:p>
             <a:r>
-              <a:rPr lang="en-US" dirty="0" smtClean="0"/>
+              <a:rPr lang="en-US" sz="2000" dirty="0" smtClean="0">
+                <a:solidFill>
+                  <a:schemeClr val="accent6"/>
+                </a:solidFill>
+              </a:rPr>
               <a:t>target network</a:t>
             </a:r>
           </a:p>
           <a:p>
             <a:r>
-              <a:rPr lang="en-US" dirty="0" smtClean="0"/>
+              <a:rPr lang="en-US" sz="2000" dirty="0" smtClean="0">
+                <a:solidFill>
+                  <a:schemeClr val="accent6"/>
+                </a:solidFill>
+              </a:rPr>
               <a:t>experience replay</a:t>
             </a:r>
-            <a:endParaRPr lang="en-US" dirty="0"/>
+            <a:endParaRPr lang="en-US" sz="2000" dirty="0">
+              <a:solidFill>
+                <a:schemeClr val="accent6"/>
+              </a:solidFill>
+            </a:endParaRPr>
           </a:p>
         </p:txBody>
       </p:sp>
@@ -3850,8 +3898,8 @@
         </p:nvCxnSpPr>
         <p:spPr>
           <a:xfrm flipH="1">
-            <a:off x="2032221" y="4960803"/>
-            <a:ext cx="5470231" cy="263044"/>
+            <a:off x="2032221" y="4053287"/>
+            <a:ext cx="3815863" cy="675485"/>
           </a:xfrm>
           <a:prstGeom prst="straightConnector1">
             <a:avLst/>
@@ -3864,14 +3912,14 @@
           <a:lnRef idx="2">
             <a:schemeClr val="accent1"/>
           </a:lnRef>
-          <a:fillRef idx="0">
-            <a:schemeClr val="accent1"/>
+          <a:fillRef idx="1">
+            <a:schemeClr val="lt1"/>
           </a:fillRef>
-          <a:effectRef idx="1">
+          <a:effectRef idx="0">
             <a:schemeClr val="accent1"/>
           </a:effectRef>
           <a:fontRef idx="minor">
-            <a:schemeClr val="tx1"/>
+            <a:schemeClr val="dk1"/>
           </a:fontRef>
         </p:style>
       </p:cxnSp>
@@ -3886,8 +3934,8 @@
         </p:nvCxnSpPr>
         <p:spPr>
           <a:xfrm flipH="1">
-            <a:off x="4420053" y="4960803"/>
-            <a:ext cx="3082399" cy="834720"/>
+            <a:off x="3985697" y="4053287"/>
+            <a:ext cx="1862387" cy="1119834"/>
           </a:xfrm>
           <a:prstGeom prst="straightConnector1">
             <a:avLst/>
@@ -3900,14 +3948,14 @@
           <a:lnRef idx="2">
             <a:schemeClr val="accent1"/>
           </a:lnRef>
-          <a:fillRef idx="0">
-            <a:schemeClr val="accent1"/>
+          <a:fillRef idx="1">
+            <a:schemeClr val="lt1"/>
           </a:fillRef>
-          <a:effectRef idx="1">
+          <a:effectRef idx="0">
             <a:schemeClr val="accent1"/>
           </a:effectRef>
           <a:fontRef idx="minor">
-            <a:schemeClr val="tx1"/>
+            <a:schemeClr val="dk1"/>
           </a:fontRef>
         </p:style>
       </p:cxnSp>
@@ -3921,9 +3969,9 @@
           <p:nvPr/>
         </p:nvCxnSpPr>
         <p:spPr>
-          <a:xfrm flipH="1">
-            <a:off x="6280378" y="4960803"/>
-            <a:ext cx="1222074" cy="1223973"/>
+          <a:xfrm>
+            <a:off x="5848084" y="4053287"/>
+            <a:ext cx="265035" cy="1779656"/>
           </a:xfrm>
           <a:prstGeom prst="straightConnector1">
             <a:avLst/>
@@ -3936,14 +3984,14 @@
           <a:lnRef idx="2">
             <a:schemeClr val="accent1"/>
           </a:lnRef>
-          <a:fillRef idx="0">
-            <a:schemeClr val="accent1"/>
+          <a:fillRef idx="1">
+            <a:schemeClr val="lt1"/>
           </a:fillRef>
-          <a:effectRef idx="1">
+          <a:effectRef idx="0">
             <a:schemeClr val="accent1"/>
           </a:effectRef>
           <a:fontRef idx="minor">
-            <a:schemeClr val="tx1"/>
+            <a:schemeClr val="dk1"/>
           </a:fontRef>
         </p:style>
       </p:cxnSp>
@@ -3958,8 +4006,8 @@
         </p:nvCxnSpPr>
         <p:spPr>
           <a:xfrm>
-            <a:off x="7502452" y="4960803"/>
-            <a:ext cx="2886172" cy="1661635"/>
+            <a:off x="5848084" y="4053287"/>
+            <a:ext cx="4788996" cy="2839881"/>
           </a:xfrm>
           <a:prstGeom prst="straightConnector1">
             <a:avLst/>
@@ -3972,14 +4020,14 @@
           <a:lnRef idx="2">
             <a:schemeClr val="accent1"/>
           </a:lnRef>
-          <a:fillRef idx="0">
-            <a:schemeClr val="accent1"/>
+          <a:fillRef idx="1">
+            <a:schemeClr val="lt1"/>
           </a:fillRef>
-          <a:effectRef idx="1">
+          <a:effectRef idx="0">
             <a:schemeClr val="accent1"/>
           </a:effectRef>
           <a:fontRef idx="minor">
-            <a:schemeClr val="tx1"/>
+            <a:schemeClr val="dk1"/>
           </a:fontRef>
         </p:style>
       </p:cxnSp>
@@ -3994,8 +4042,8 @@
         </p:nvCxnSpPr>
         <p:spPr>
           <a:xfrm>
-            <a:off x="7502452" y="4960803"/>
-            <a:ext cx="5187292" cy="1778278"/>
+            <a:off x="5848084" y="4053287"/>
+            <a:ext cx="7229149" cy="2918944"/>
           </a:xfrm>
           <a:prstGeom prst="straightConnector1">
             <a:avLst/>
@@ -4008,14 +4056,14 @@
           <a:lnRef idx="2">
             <a:schemeClr val="accent1"/>
           </a:lnRef>
-          <a:fillRef idx="0">
-            <a:schemeClr val="accent1"/>
+          <a:fillRef idx="1">
+            <a:schemeClr val="lt1"/>
           </a:fillRef>
-          <a:effectRef idx="1">
+          <a:effectRef idx="0">
             <a:schemeClr val="accent1"/>
           </a:effectRef>
           <a:fontRef idx="minor">
-            <a:schemeClr val="tx1"/>
+            <a:schemeClr val="dk1"/>
           </a:fontRef>
         </p:style>
       </p:cxnSp>
@@ -4030,8 +4078,8 @@
         </p:nvCxnSpPr>
         <p:spPr>
           <a:xfrm>
-            <a:off x="2032221" y="6367199"/>
-            <a:ext cx="5484349" cy="1981654"/>
+            <a:off x="2032221" y="5872124"/>
+            <a:ext cx="5549396" cy="2282562"/>
           </a:xfrm>
           <a:prstGeom prst="straightConnector1">
             <a:avLst/>
@@ -4044,14 +4092,14 @@
           <a:lnRef idx="2">
             <a:schemeClr val="accent1"/>
           </a:lnRef>
-          <a:fillRef idx="0">
-            <a:schemeClr val="accent1"/>
+          <a:fillRef idx="1">
+            <a:schemeClr val="lt1"/>
           </a:fillRef>
-          <a:effectRef idx="1">
+          <a:effectRef idx="0">
             <a:schemeClr val="accent1"/>
           </a:effectRef>
           <a:fontRef idx="minor">
-            <a:schemeClr val="tx1"/>
+            <a:schemeClr val="dk1"/>
           </a:fontRef>
         </p:style>
       </p:cxnSp>
@@ -4066,8 +4114,8 @@
         </p:nvCxnSpPr>
         <p:spPr>
           <a:xfrm>
-            <a:off x="4420053" y="6938875"/>
-            <a:ext cx="3096517" cy="1409978"/>
+            <a:off x="3985697" y="6316473"/>
+            <a:ext cx="3595920" cy="1838213"/>
           </a:xfrm>
           <a:prstGeom prst="straightConnector1">
             <a:avLst/>
@@ -4080,14 +4128,14 @@
           <a:lnRef idx="2">
             <a:schemeClr val="accent1"/>
           </a:lnRef>
-          <a:fillRef idx="0">
-            <a:schemeClr val="accent1"/>
+          <a:fillRef idx="1">
+            <a:schemeClr val="lt1"/>
           </a:fillRef>
-          <a:effectRef idx="1">
+          <a:effectRef idx="0">
             <a:schemeClr val="accent1"/>
           </a:effectRef>
           <a:fontRef idx="minor">
-            <a:schemeClr val="tx1"/>
+            <a:schemeClr val="dk1"/>
           </a:fontRef>
         </p:style>
       </p:cxnSp>
@@ -4102,8 +4150,8 @@
         </p:nvCxnSpPr>
         <p:spPr>
           <a:xfrm>
-            <a:off x="6280378" y="7328128"/>
-            <a:ext cx="1236192" cy="1020725"/>
+            <a:off x="6113119" y="6976295"/>
+            <a:ext cx="1468498" cy="1178391"/>
           </a:xfrm>
           <a:prstGeom prst="straightConnector1">
             <a:avLst/>
@@ -4116,14 +4164,14 @@
           <a:lnRef idx="2">
             <a:schemeClr val="accent1"/>
           </a:lnRef>
-          <a:fillRef idx="0">
-            <a:schemeClr val="accent1"/>
+          <a:fillRef idx="1">
+            <a:schemeClr val="lt1"/>
           </a:fillRef>
-          <a:effectRef idx="1">
+          <a:effectRef idx="0">
             <a:schemeClr val="accent1"/>
           </a:effectRef>
           <a:fontRef idx="minor">
-            <a:schemeClr val="tx1"/>
+            <a:schemeClr val="dk1"/>
           </a:fontRef>
         </p:style>
       </p:cxnSp>
@@ -4138,8 +4186,8 @@
         </p:nvCxnSpPr>
         <p:spPr>
           <a:xfrm flipH="1">
-            <a:off x="7516570" y="7765790"/>
-            <a:ext cx="2872054" cy="583063"/>
+            <a:off x="7581617" y="8036520"/>
+            <a:ext cx="3055463" cy="118166"/>
           </a:xfrm>
           <a:prstGeom prst="straightConnector1">
             <a:avLst/>
@@ -4152,14 +4200,14 @@
           <a:lnRef idx="2">
             <a:schemeClr val="accent1"/>
           </a:lnRef>
-          <a:fillRef idx="0">
-            <a:schemeClr val="accent1"/>
+          <a:fillRef idx="1">
+            <a:schemeClr val="lt1"/>
           </a:fillRef>
-          <a:effectRef idx="1">
+          <a:effectRef idx="0">
             <a:schemeClr val="accent1"/>
           </a:effectRef>
           <a:fontRef idx="minor">
-            <a:schemeClr val="tx1"/>
+            <a:schemeClr val="dk1"/>
           </a:fontRef>
         </p:style>
       </p:cxnSp>
@@ -4174,8 +4222,8 @@
         </p:nvCxnSpPr>
         <p:spPr>
           <a:xfrm flipH="1">
-            <a:off x="7516570" y="7882433"/>
-            <a:ext cx="5173174" cy="466420"/>
+            <a:off x="7581617" y="8115583"/>
+            <a:ext cx="5495616" cy="39103"/>
           </a:xfrm>
           <a:prstGeom prst="straightConnector1">
             <a:avLst/>
@@ -4188,14 +4236,14 @@
           <a:lnRef idx="2">
             <a:schemeClr val="accent1"/>
           </a:lnRef>
-          <a:fillRef idx="0">
-            <a:schemeClr val="accent1"/>
+          <a:fillRef idx="1">
+            <a:schemeClr val="lt1"/>
           </a:fillRef>
-          <a:effectRef idx="1">
+          <a:effectRef idx="0">
             <a:schemeClr val="accent1"/>
           </a:effectRef>
           <a:fontRef idx="minor">
-            <a:schemeClr val="tx1"/>
+            <a:schemeClr val="dk1"/>
           </a:fontRef>
         </p:style>
       </p:cxnSp>
@@ -4207,7 +4255,7 @@
         </p:nvSpPr>
         <p:spPr>
           <a:xfrm>
-            <a:off x="7265136" y="6367199"/>
+            <a:off x="7205600" y="6321492"/>
             <a:ext cx="1987541" cy="1143352"/>
           </a:xfrm>
           <a:prstGeom prst="roundRect">
@@ -4215,17 +4263,17 @@
           </a:prstGeom>
         </p:spPr>
         <p:style>
-          <a:lnRef idx="1">
+          <a:lnRef idx="2">
             <a:schemeClr val="accent1"/>
           </a:lnRef>
-          <a:fillRef idx="3">
-            <a:schemeClr val="accent1"/>
+          <a:fillRef idx="1">
+            <a:schemeClr val="lt1"/>
           </a:fillRef>
-          <a:effectRef idx="2">
+          <a:effectRef idx="0">
             <a:schemeClr val="accent1"/>
           </a:effectRef>
           <a:fontRef idx="minor">
-            <a:schemeClr val="lt1"/>
+            <a:schemeClr val="dk1"/>
           </a:fontRef>
         </p:style>
         <p:txBody>
@@ -4234,10 +4282,10 @@
           <a:p>
             <a:pPr algn="ctr"/>
             <a:r>
-              <a:rPr lang="en-US" sz="1600" dirty="0" smtClean="0"/>
+              <a:rPr lang="en-US" sz="2400" dirty="0" smtClean="0"/>
               <a:t>A3C</a:t>
             </a:r>
-            <a:endParaRPr lang="en-US" sz="1600" dirty="0"/>
+            <a:endParaRPr lang="en-US" sz="2400" dirty="0"/>
           </a:p>
         </p:txBody>
       </p:sp>
@@ -4252,8 +4300,8 @@
         </p:nvCxnSpPr>
         <p:spPr>
           <a:xfrm>
-            <a:off x="7502452" y="4960803"/>
-            <a:ext cx="756455" cy="1406396"/>
+            <a:off x="5848084" y="4053287"/>
+            <a:ext cx="2351287" cy="2268205"/>
           </a:xfrm>
           <a:prstGeom prst="straightConnector1">
             <a:avLst/>
@@ -4266,14 +4314,14 @@
           <a:lnRef idx="2">
             <a:schemeClr val="accent1"/>
           </a:lnRef>
-          <a:fillRef idx="0">
-            <a:schemeClr val="accent1"/>
+          <a:fillRef idx="1">
+            <a:schemeClr val="lt1"/>
           </a:fillRef>
-          <a:effectRef idx="1">
+          <a:effectRef idx="0">
             <a:schemeClr val="accent1"/>
           </a:effectRef>
           <a:fontRef idx="minor">
-            <a:schemeClr val="tx1"/>
+            <a:schemeClr val="dk1"/>
           </a:fontRef>
         </p:style>
       </p:cxnSp>
@@ -4282,13 +4330,14 @@
           <p:cNvPr id="72" name="Straight Arrow Connector 71"/>
           <p:cNvCxnSpPr>
             <a:stCxn id="58" idx="2"/>
+            <a:endCxn id="14" idx="0"/>
           </p:cNvCxnSpPr>
           <p:nvPr/>
         </p:nvCxnSpPr>
         <p:spPr>
           <a:xfrm flipH="1">
-            <a:off x="7576105" y="7510551"/>
-            <a:ext cx="682802" cy="838302"/>
+            <a:off x="7581617" y="7464844"/>
+            <a:ext cx="617754" cy="689842"/>
           </a:xfrm>
           <a:prstGeom prst="straightConnector1">
             <a:avLst/>
@@ -4301,14 +4350,14 @@
           <a:lnRef idx="2">
             <a:schemeClr val="accent1"/>
           </a:lnRef>
-          <a:fillRef idx="0">
-            <a:schemeClr val="accent1"/>
+          <a:fillRef idx="1">
+            <a:schemeClr val="lt1"/>
           </a:fillRef>
-          <a:effectRef idx="1">
+          <a:effectRef idx="0">
             <a:schemeClr val="accent1"/>
           </a:effectRef>
           <a:fontRef idx="minor">
-            <a:schemeClr val="tx1"/>
+            <a:schemeClr val="dk1"/>
           </a:fontRef>
         </p:style>
       </p:cxnSp>
@@ -4320,7 +4369,7 @@
         </p:nvSpPr>
         <p:spPr>
           <a:xfrm>
-            <a:off x="6014328" y="12932888"/>
+            <a:off x="6032756" y="13081336"/>
             <a:ext cx="1987541" cy="1143352"/>
           </a:xfrm>
           <a:prstGeom prst="roundRect">
@@ -4328,17 +4377,17 @@
           </a:prstGeom>
         </p:spPr>
         <p:style>
-          <a:lnRef idx="1">
-            <a:schemeClr val="accent1"/>
+          <a:lnRef idx="2">
+            <a:schemeClr val="accent3"/>
           </a:lnRef>
-          <a:fillRef idx="3">
-            <a:schemeClr val="accent1"/>
+          <a:fillRef idx="1">
+            <a:schemeClr val="lt1"/>
           </a:fillRef>
-          <a:effectRef idx="2">
-            <a:schemeClr val="accent1"/>
+          <a:effectRef idx="0">
+            <a:schemeClr val="accent3"/>
           </a:effectRef>
           <a:fontRef idx="minor">
-            <a:schemeClr val="lt1"/>
+            <a:schemeClr val="dk1"/>
           </a:fontRef>
         </p:style>
         <p:txBody>
@@ -4347,10 +4396,10 @@
           <a:p>
             <a:pPr algn="ctr"/>
             <a:r>
-              <a:rPr lang="en-US" sz="1600" dirty="0" smtClean="0"/>
+              <a:rPr lang="en-US" sz="2400" dirty="0" smtClean="0"/>
               <a:t>PPO</a:t>
             </a:r>
-            <a:endParaRPr lang="en-US" sz="1600" dirty="0"/>
+            <a:endParaRPr lang="en-US" sz="2400" dirty="0"/>
           </a:p>
         </p:txBody>
       </p:sp>
@@ -4362,14 +4411,32 @@
         </p:nvSpPr>
         <p:spPr>
           <a:xfrm>
-            <a:off x="3012731" y="4854515"/>
-            <a:ext cx="2954768" cy="369332"/>
+            <a:off x="1908242" y="4231817"/>
+            <a:ext cx="3262557" cy="400110"/>
           </a:xfrm>
           <a:prstGeom prst="rect">
             <a:avLst/>
           </a:prstGeom>
-          <a:noFill/>
-        </p:spPr>
+          <a:ln>
+            <a:solidFill>
+              <a:srgbClr val="FCD5B5"/>
+            </a:solidFill>
+          </a:ln>
+        </p:spPr>
+        <p:style>
+          <a:lnRef idx="2">
+            <a:schemeClr val="accent6"/>
+          </a:lnRef>
+          <a:fillRef idx="1">
+            <a:schemeClr val="lt1"/>
+          </a:fillRef>
+          <a:effectRef idx="0">
+            <a:schemeClr val="accent6"/>
+          </a:effectRef>
+          <a:fontRef idx="minor">
+            <a:schemeClr val="dk1"/>
+          </a:fontRef>
+        </p:style>
         <p:txBody>
           <a:bodyPr wrap="none" rtlCol="0">
             <a:spAutoFit/>
@@ -4377,18 +4444,34 @@
           <a:lstStyle/>
           <a:p>
             <a:r>
-              <a:rPr lang="en-US" dirty="0" smtClean="0"/>
+              <a:rPr lang="en-US" sz="2000" dirty="0" smtClean="0">
+                <a:solidFill>
+                  <a:schemeClr val="accent6"/>
+                </a:solidFill>
+              </a:rPr>
               <a:t>decoupling </a:t>
             </a:r>
             <a:r>
-              <a:rPr lang="en-US" dirty="0" err="1" smtClean="0"/>
+              <a:rPr lang="en-US" sz="2000" dirty="0" err="1" smtClean="0">
+                <a:solidFill>
+                  <a:schemeClr val="accent6"/>
+                </a:solidFill>
+              </a:rPr>
               <a:t>eval</a:t>
             </a:r>
             <a:r>
-              <a:rPr lang="en-US" dirty="0" smtClean="0"/>
+              <a:rPr lang="en-US" sz="2000" dirty="0" smtClean="0">
+                <a:solidFill>
+                  <a:schemeClr val="accent6"/>
+                </a:solidFill>
+              </a:rPr>
               <a:t> and selection</a:t>
             </a:r>
-            <a:endParaRPr lang="en-US" dirty="0"/>
+            <a:endParaRPr lang="en-US" sz="2000" dirty="0">
+              <a:solidFill>
+                <a:schemeClr val="accent6"/>
+              </a:solidFill>
+            </a:endParaRPr>
           </a:p>
         </p:txBody>
       </p:sp>
@@ -4400,14 +4483,32 @@
         </p:nvSpPr>
         <p:spPr>
           <a:xfrm>
-            <a:off x="4620403" y="5243690"/>
-            <a:ext cx="1797112" cy="369332"/>
+            <a:off x="3836386" y="4687953"/>
+            <a:ext cx="1980029" cy="400110"/>
           </a:xfrm>
           <a:prstGeom prst="rect">
             <a:avLst/>
           </a:prstGeom>
-          <a:noFill/>
-        </p:spPr>
+          <a:ln>
+            <a:solidFill>
+              <a:srgbClr val="FCD5B5"/>
+            </a:solidFill>
+          </a:ln>
+        </p:spPr>
+        <p:style>
+          <a:lnRef idx="2">
+            <a:schemeClr val="accent6"/>
+          </a:lnRef>
+          <a:fillRef idx="1">
+            <a:schemeClr val="lt1"/>
+          </a:fillRef>
+          <a:effectRef idx="0">
+            <a:schemeClr val="accent6"/>
+          </a:effectRef>
+          <a:fontRef idx="minor">
+            <a:schemeClr val="dk1"/>
+          </a:fontRef>
+        </p:style>
         <p:txBody>
           <a:bodyPr wrap="none" rtlCol="0">
             <a:spAutoFit/>
@@ -4415,10 +4516,18 @@
           <a:lstStyle/>
           <a:p>
             <a:r>
-              <a:rPr lang="en-US" dirty="0" smtClean="0"/>
+              <a:rPr lang="en-US" sz="2000" dirty="0" smtClean="0">
+                <a:solidFill>
+                  <a:schemeClr val="accent6"/>
+                </a:solidFill>
+              </a:rPr>
               <a:t>decoupling V &amp; A</a:t>
             </a:r>
-            <a:endParaRPr lang="en-US" dirty="0"/>
+            <a:endParaRPr lang="en-US" sz="2000" dirty="0">
+              <a:solidFill>
+                <a:schemeClr val="accent6"/>
+              </a:solidFill>
+            </a:endParaRPr>
           </a:p>
         </p:txBody>
       </p:sp>
@@ -4430,14 +4539,32 @@
         </p:nvSpPr>
         <p:spPr>
           <a:xfrm>
-            <a:off x="5356775" y="5613022"/>
-            <a:ext cx="2902132" cy="369332"/>
+            <a:off x="4986285" y="5159809"/>
+            <a:ext cx="2253667" cy="400110"/>
           </a:xfrm>
           <a:prstGeom prst="rect">
             <a:avLst/>
           </a:prstGeom>
-          <a:noFill/>
-        </p:spPr>
+          <a:ln>
+            <a:solidFill>
+              <a:srgbClr val="FCD5B5"/>
+            </a:solidFill>
+          </a:ln>
+        </p:spPr>
+        <p:style>
+          <a:lnRef idx="2">
+            <a:schemeClr val="accent6"/>
+          </a:lnRef>
+          <a:fillRef idx="1">
+            <a:schemeClr val="lt1"/>
+          </a:fillRef>
+          <a:effectRef idx="0">
+            <a:schemeClr val="accent6"/>
+          </a:effectRef>
+          <a:fontRef idx="minor">
+            <a:schemeClr val="dk1"/>
+          </a:fontRef>
+        </p:style>
         <p:txBody>
           <a:bodyPr wrap="none" rtlCol="0">
             <a:spAutoFit/>
@@ -4445,10 +4572,26 @@
           <a:lstStyle/>
           <a:p>
             <a:r>
-              <a:rPr lang="en-US" dirty="0" smtClean="0"/>
-              <a:t>TD-error prioritized sampling</a:t>
-            </a:r>
-            <a:endParaRPr lang="en-US" dirty="0"/>
+              <a:rPr lang="en-US" sz="2000" dirty="0" smtClean="0">
+                <a:solidFill>
+                  <a:schemeClr val="accent6"/>
+                </a:solidFill>
+              </a:rPr>
+              <a:t>prioritized </a:t>
+            </a:r>
+            <a:r>
+              <a:rPr lang="en-US" sz="2000" dirty="0" smtClean="0">
+                <a:solidFill>
+                  <a:schemeClr val="accent6"/>
+                </a:solidFill>
+              </a:rPr>
+              <a:t>sampling</a:t>
+            </a:r>
+            <a:endParaRPr lang="en-US" sz="2000" dirty="0">
+              <a:solidFill>
+                <a:schemeClr val="accent6"/>
+              </a:solidFill>
+            </a:endParaRPr>
           </a:p>
         </p:txBody>
       </p:sp>
@@ -4460,14 +4603,32 @@
         </p:nvSpPr>
         <p:spPr>
           <a:xfrm>
-            <a:off x="8741066" y="5950088"/>
-            <a:ext cx="1647558" cy="369332"/>
+            <a:off x="9404782" y="6345168"/>
+            <a:ext cx="1924238" cy="400110"/>
           </a:xfrm>
           <a:prstGeom prst="rect">
             <a:avLst/>
           </a:prstGeom>
-          <a:noFill/>
-        </p:spPr>
+          <a:ln>
+            <a:solidFill>
+              <a:srgbClr val="FCD5B5"/>
+            </a:solidFill>
+          </a:ln>
+        </p:spPr>
+        <p:style>
+          <a:lnRef idx="2">
+            <a:schemeClr val="accent6"/>
+          </a:lnRef>
+          <a:fillRef idx="1">
+            <a:schemeClr val="lt1"/>
+          </a:fillRef>
+          <a:effectRef idx="0">
+            <a:schemeClr val="accent6"/>
+          </a:effectRef>
+          <a:fontRef idx="minor">
+            <a:schemeClr val="dk1"/>
+          </a:fontRef>
+        </p:style>
         <p:txBody>
           <a:bodyPr wrap="square" rtlCol="0">
             <a:spAutoFit/>
@@ -4475,10 +4636,18 @@
           <a:lstStyle/>
           <a:p>
             <a:r>
-              <a:rPr lang="en-US" dirty="0" smtClean="0"/>
+              <a:rPr lang="en-US" sz="2000" dirty="0" smtClean="0">
+                <a:solidFill>
+                  <a:schemeClr val="accent6"/>
+                </a:solidFill>
+              </a:rPr>
               <a:t>distributional Q</a:t>
             </a:r>
-            <a:endParaRPr lang="en-US" dirty="0"/>
+            <a:endParaRPr lang="en-US" sz="2000" dirty="0">
+              <a:solidFill>
+                <a:schemeClr val="accent6"/>
+              </a:solidFill>
+            </a:endParaRPr>
           </a:p>
         </p:txBody>
       </p:sp>
@@ -4493,8 +4662,8 @@
         </p:nvCxnSpPr>
         <p:spPr>
           <a:xfrm>
-            <a:off x="2474449" y="10130560"/>
-            <a:ext cx="0" cy="838656"/>
+            <a:off x="2474449" y="9869714"/>
+            <a:ext cx="33715" cy="1015355"/>
           </a:xfrm>
           <a:prstGeom prst="straightConnector1">
             <a:avLst/>
@@ -4505,92 +4674,114 @@
         </p:spPr>
         <p:style>
           <a:lnRef idx="2">
+            <a:schemeClr val="accent3"/>
+          </a:lnRef>
+          <a:fillRef idx="1">
+            <a:schemeClr val="lt1"/>
+          </a:fillRef>
+          <a:effectRef idx="0">
+            <a:schemeClr val="accent3"/>
+          </a:effectRef>
+          <a:fontRef idx="minor">
+            <a:schemeClr val="dk1"/>
+          </a:fontRef>
+        </p:style>
+      </p:cxnSp>
+      <p:sp>
+        <p:nvSpPr>
+          <p:cNvPr id="108" name="TextBox 107"/>
+          <p:cNvSpPr txBox="1"/>
+          <p:nvPr/>
+        </p:nvSpPr>
+        <p:spPr>
+          <a:xfrm>
+            <a:off x="1452088" y="10201034"/>
+            <a:ext cx="2112152" cy="400110"/>
+          </a:xfrm>
+          <a:prstGeom prst="rect">
+            <a:avLst/>
+          </a:prstGeom>
+          <a:ln>
+            <a:solidFill>
+              <a:srgbClr val="FCD5B5"/>
+            </a:solidFill>
+          </a:ln>
+        </p:spPr>
+        <p:style>
+          <a:lnRef idx="2">
+            <a:schemeClr val="accent6"/>
+          </a:lnRef>
+          <a:fillRef idx="1">
+            <a:schemeClr val="lt1"/>
+          </a:fillRef>
+          <a:effectRef idx="0">
+            <a:schemeClr val="accent6"/>
+          </a:effectRef>
+          <a:fontRef idx="minor">
+            <a:schemeClr val="dk1"/>
+          </a:fontRef>
+        </p:style>
+        <p:txBody>
+          <a:bodyPr wrap="none" rtlCol="0">
+            <a:spAutoFit/>
+          </a:bodyPr>
+          <a:lstStyle/>
+          <a:p>
+            <a:r>
+              <a:rPr lang="en-US" sz="2000" dirty="0" smtClean="0">
+                <a:solidFill>
+                  <a:schemeClr val="accent6"/>
+                </a:solidFill>
+              </a:rPr>
+              <a:t>learning Q as critic</a:t>
+            </a:r>
+            <a:endParaRPr lang="en-US" sz="2000" dirty="0">
+              <a:solidFill>
+                <a:schemeClr val="accent6"/>
+              </a:solidFill>
+            </a:endParaRPr>
+          </a:p>
+        </p:txBody>
+      </p:sp>
+      <p:sp>
+        <p:nvSpPr>
+          <p:cNvPr id="110" name="Rounded Rectangle 109"/>
+          <p:cNvSpPr/>
+          <p:nvPr/>
+        </p:nvSpPr>
+        <p:spPr>
+          <a:xfrm>
+            <a:off x="1480678" y="14224688"/>
+            <a:ext cx="1987541" cy="1143352"/>
+          </a:xfrm>
+          <a:prstGeom prst="roundRect">
+            <a:avLst/>
+          </a:prstGeom>
+        </p:spPr>
+        <p:style>
+          <a:lnRef idx="2">
             <a:schemeClr val="accent1"/>
           </a:lnRef>
-          <a:fillRef idx="0">
-            <a:schemeClr val="accent1"/>
+          <a:fillRef idx="1">
+            <a:schemeClr val="lt1"/>
           </a:fillRef>
-          <a:effectRef idx="1">
+          <a:effectRef idx="0">
             <a:schemeClr val="accent1"/>
           </a:effectRef>
           <a:fontRef idx="minor">
-            <a:schemeClr val="tx1"/>
+            <a:schemeClr val="dk1"/>
           </a:fontRef>
         </p:style>
-      </p:cxnSp>
-      <p:sp>
-        <p:nvSpPr>
-          <p:cNvPr id="108" name="TextBox 107"/>
-          <p:cNvSpPr txBox="1"/>
-          <p:nvPr/>
-        </p:nvSpPr>
-        <p:spPr>
-          <a:xfrm>
-            <a:off x="1480678" y="10457373"/>
-            <a:ext cx="1919403" cy="369332"/>
-          </a:xfrm>
-          <a:prstGeom prst="rect">
-            <a:avLst/>
-          </a:prstGeom>
-          <a:noFill/>
-        </p:spPr>
-        <p:txBody>
-          <a:bodyPr wrap="none" rtlCol="0">
-            <a:spAutoFit/>
-          </a:bodyPr>
-          <a:lstStyle/>
-          <a:p>
-            <a:r>
-              <a:rPr lang="en-US" dirty="0" smtClean="0"/>
-              <a:t>learning </a:t>
-            </a:r>
-            <a:r>
-              <a:rPr lang="en-US" dirty="0" smtClean="0"/>
-              <a:t>Q as critic</a:t>
-            </a:r>
-            <a:endParaRPr lang="en-US" dirty="0"/>
-          </a:p>
-        </p:txBody>
-      </p:sp>
-      <p:sp>
-        <p:nvSpPr>
-          <p:cNvPr id="110" name="Rounded Rectangle 109"/>
-          <p:cNvSpPr/>
-          <p:nvPr/>
-        </p:nvSpPr>
-        <p:spPr>
-          <a:xfrm>
-            <a:off x="1550724" y="14076240"/>
-            <a:ext cx="1987541" cy="1143352"/>
-          </a:xfrm>
-          <a:prstGeom prst="roundRect">
-            <a:avLst/>
-          </a:prstGeom>
-        </p:spPr>
-        <p:style>
-          <a:lnRef idx="1">
-            <a:schemeClr val="accent1"/>
-          </a:lnRef>
-          <a:fillRef idx="3">
-            <a:schemeClr val="accent1"/>
-          </a:fillRef>
-          <a:effectRef idx="2">
-            <a:schemeClr val="accent1"/>
-          </a:effectRef>
-          <a:fontRef idx="minor">
-            <a:schemeClr val="lt1"/>
-          </a:fontRef>
-        </p:style>
         <p:txBody>
           <a:bodyPr rtlCol="0" anchor="ctr"/>
           <a:lstStyle/>
           <a:p>
             <a:pPr algn="ctr"/>
             <a:r>
-              <a:rPr lang="en-US" sz="1600" dirty="0" smtClean="0"/>
+              <a:rPr lang="en-US" sz="2400" dirty="0" smtClean="0"/>
               <a:t>MADDPG</a:t>
             </a:r>
-            <a:endParaRPr lang="en-US" sz="1600" dirty="0"/>
+            <a:endParaRPr lang="en-US" sz="2400" dirty="0"/>
           </a:p>
         </p:txBody>
       </p:sp>
@@ -4605,8 +4796,8 @@
         </p:nvCxnSpPr>
         <p:spPr>
           <a:xfrm>
-            <a:off x="8345313" y="2135957"/>
-            <a:ext cx="1737027" cy="416708"/>
+            <a:off x="8345313" y="1640882"/>
+            <a:ext cx="2319991" cy="274610"/>
           </a:xfrm>
           <a:prstGeom prst="straightConnector1">
             <a:avLst/>
@@ -4619,14 +4810,14 @@
           <a:lnRef idx="2">
             <a:schemeClr val="accent1"/>
           </a:lnRef>
-          <a:fillRef idx="0">
-            <a:schemeClr val="accent1"/>
+          <a:fillRef idx="1">
+            <a:schemeClr val="lt1"/>
           </a:fillRef>
-          <a:effectRef idx="1">
+          <a:effectRef idx="0">
             <a:schemeClr val="accent1"/>
           </a:effectRef>
           <a:fontRef idx="minor">
-            <a:schemeClr val="tx1"/>
+            <a:schemeClr val="dk1"/>
           </a:fontRef>
         </p:style>
       </p:cxnSp>
@@ -4638,14 +4829,35 @@
         </p:nvSpPr>
         <p:spPr>
           <a:xfrm>
-            <a:off x="8632687" y="2135957"/>
-            <a:ext cx="1239980" cy="369332"/>
+            <a:off x="8632687" y="1640882"/>
+            <a:ext cx="1357238" cy="400110"/>
           </a:xfrm>
           <a:prstGeom prst="rect">
             <a:avLst/>
           </a:prstGeom>
-          <a:noFill/>
-        </p:spPr>
+          <a:solidFill>
+            <a:srgbClr val="FFFFFF"/>
+          </a:solidFill>
+          <a:ln>
+            <a:solidFill>
+              <a:srgbClr val="FCD5B5"/>
+            </a:solidFill>
+          </a:ln>
+        </p:spPr>
+        <p:style>
+          <a:lnRef idx="2">
+            <a:schemeClr val="accent6"/>
+          </a:lnRef>
+          <a:fillRef idx="1">
+            <a:schemeClr val="lt1"/>
+          </a:fillRef>
+          <a:effectRef idx="0">
+            <a:schemeClr val="accent6"/>
+          </a:effectRef>
+          <a:fontRef idx="minor">
+            <a:schemeClr val="dk1"/>
+          </a:fontRef>
+        </p:style>
         <p:txBody>
           <a:bodyPr wrap="none" rtlCol="0">
             <a:spAutoFit/>
@@ -4653,10 +4865,18 @@
           <a:lstStyle/>
           <a:p>
             <a:r>
-              <a:rPr lang="en-US" dirty="0" smtClean="0"/>
+              <a:rPr lang="en-US" sz="2000" dirty="0" smtClean="0">
+                <a:solidFill>
+                  <a:schemeClr val="accent6"/>
+                </a:solidFill>
+              </a:rPr>
               <a:t>SARSAMAX</a:t>
             </a:r>
-            <a:endParaRPr lang="en-US" dirty="0"/>
+            <a:endParaRPr lang="en-US" sz="2000" dirty="0">
+              <a:solidFill>
+                <a:schemeClr val="accent6"/>
+              </a:solidFill>
+            </a:endParaRPr>
           </a:p>
         </p:txBody>
       </p:sp>
@@ -4676,17 +4896,17 @@
           </a:prstGeom>
         </p:spPr>
         <p:style>
-          <a:lnRef idx="1">
-            <a:schemeClr val="accent1"/>
+          <a:lnRef idx="2">
+            <a:schemeClr val="accent3"/>
           </a:lnRef>
-          <a:fillRef idx="3">
-            <a:schemeClr val="accent1"/>
+          <a:fillRef idx="1">
+            <a:schemeClr val="lt1"/>
           </a:fillRef>
-          <a:effectRef idx="2">
-            <a:schemeClr val="accent1"/>
+          <a:effectRef idx="0">
+            <a:schemeClr val="accent3"/>
           </a:effectRef>
           <a:fontRef idx="minor">
-            <a:schemeClr val="lt1"/>
+            <a:schemeClr val="dk1"/>
           </a:fontRef>
         </p:style>
         <p:txBody>
@@ -4695,10 +4915,10 @@
           <a:p>
             <a:pPr algn="ctr"/>
             <a:r>
-              <a:rPr lang="en-US" dirty="0" smtClean="0"/>
+              <a:rPr lang="en-US" sz="2400" dirty="0" smtClean="0"/>
               <a:t>TRPO</a:t>
             </a:r>
-            <a:endParaRPr lang="en-US" dirty="0"/>
+            <a:endParaRPr lang="en-US" sz="2400" dirty="0"/>
           </a:p>
         </p:txBody>
       </p:sp>
@@ -4713,8 +4933,8 @@
         </p:nvCxnSpPr>
         <p:spPr>
           <a:xfrm>
-            <a:off x="2474449" y="10130560"/>
-            <a:ext cx="6405114" cy="193988"/>
+            <a:off x="2474449" y="9869714"/>
+            <a:ext cx="6405114" cy="454834"/>
           </a:xfrm>
           <a:prstGeom prst="straightConnector1">
             <a:avLst/>
@@ -4725,16 +4945,16 @@
         </p:spPr>
         <p:style>
           <a:lnRef idx="2">
-            <a:schemeClr val="accent1"/>
+            <a:schemeClr val="accent3"/>
           </a:lnRef>
-          <a:fillRef idx="0">
-            <a:schemeClr val="accent1"/>
+          <a:fillRef idx="1">
+            <a:schemeClr val="lt1"/>
           </a:fillRef>
-          <a:effectRef idx="1">
-            <a:schemeClr val="accent1"/>
+          <a:effectRef idx="0">
+            <a:schemeClr val="accent3"/>
           </a:effectRef>
           <a:fontRef idx="minor">
-            <a:schemeClr val="tx1"/>
+            <a:schemeClr val="dk1"/>
           </a:fontRef>
         </p:style>
       </p:cxnSp>
@@ -4747,13 +4967,31 @@
         <p:spPr>
           <a:xfrm>
             <a:off x="5159585" y="10000979"/>
-            <a:ext cx="1698715" cy="369332"/>
+            <a:ext cx="1866942" cy="400110"/>
           </a:xfrm>
           <a:prstGeom prst="rect">
             <a:avLst/>
           </a:prstGeom>
-          <a:noFill/>
-        </p:spPr>
+          <a:ln>
+            <a:solidFill>
+              <a:srgbClr val="FCD5B5"/>
+            </a:solidFill>
+          </a:ln>
+        </p:spPr>
+        <p:style>
+          <a:lnRef idx="2">
+            <a:schemeClr val="accent6"/>
+          </a:lnRef>
+          <a:fillRef idx="1">
+            <a:schemeClr val="lt1"/>
+          </a:fillRef>
+          <a:effectRef idx="0">
+            <a:schemeClr val="accent6"/>
+          </a:effectRef>
+          <a:fontRef idx="minor">
+            <a:schemeClr val="dk1"/>
+          </a:fontRef>
+        </p:style>
         <p:txBody>
           <a:bodyPr wrap="none" rtlCol="0">
             <a:spAutoFit/>
@@ -4761,14 +4999,26 @@
           <a:lstStyle/>
           <a:p>
             <a:r>
-              <a:rPr lang="en-US" dirty="0" err="1" smtClean="0"/>
-              <a:t>natrual</a:t>
-            </a:r>
-            <a:r>
-              <a:rPr lang="en-US" dirty="0" smtClean="0"/>
-              <a:t> gradient</a:t>
-            </a:r>
-            <a:endParaRPr lang="en-US" dirty="0"/>
+              <a:rPr lang="en-US" sz="2000" dirty="0" smtClean="0">
+                <a:solidFill>
+                  <a:schemeClr val="accent6"/>
+                </a:solidFill>
+              </a:rPr>
+              <a:t>natural </a:t>
+            </a:r>
+            <a:r>
+              <a:rPr lang="en-US" sz="2000" dirty="0" smtClean="0">
+                <a:solidFill>
+                  <a:schemeClr val="accent6"/>
+                </a:solidFill>
+              </a:rPr>
+              <a:t>gradient</a:t>
+            </a:r>
+            <a:endParaRPr lang="en-US" sz="2000" dirty="0">
+              <a:solidFill>
+                <a:schemeClr val="accent6"/>
+              </a:solidFill>
+            </a:endParaRPr>
           </a:p>
         </p:txBody>
       </p:sp>
@@ -4788,17 +5038,17 @@
           </a:prstGeom>
         </p:spPr>
         <p:style>
-          <a:lnRef idx="1">
-            <a:schemeClr val="accent1"/>
+          <a:lnRef idx="2">
+            <a:schemeClr val="accent3"/>
           </a:lnRef>
-          <a:fillRef idx="3">
-            <a:schemeClr val="accent1"/>
+          <a:fillRef idx="1">
+            <a:schemeClr val="lt1"/>
           </a:fillRef>
-          <a:effectRef idx="2">
-            <a:schemeClr val="accent1"/>
+          <a:effectRef idx="0">
+            <a:schemeClr val="accent3"/>
           </a:effectRef>
           <a:fontRef idx="minor">
-            <a:schemeClr val="lt1"/>
+            <a:schemeClr val="dk1"/>
           </a:fontRef>
         </p:style>
         <p:txBody>
@@ -4807,10 +5057,131 @@
           <a:p>
             <a:pPr algn="ctr"/>
             <a:r>
-              <a:rPr lang="en-US" sz="1600" dirty="0" smtClean="0"/>
+              <a:rPr lang="en-US" sz="2400" dirty="0" smtClean="0"/>
               <a:t>TD3</a:t>
             </a:r>
-            <a:endParaRPr lang="en-US" sz="1600" dirty="0"/>
+            <a:endParaRPr lang="en-US" sz="2400" dirty="0"/>
+          </a:p>
+        </p:txBody>
+      </p:sp>
+      <p:sp>
+        <p:nvSpPr>
+          <p:cNvPr id="106" name="TextBox 105"/>
+          <p:cNvSpPr txBox="1"/>
+          <p:nvPr/>
+        </p:nvSpPr>
+        <p:spPr>
+          <a:xfrm>
+            <a:off x="6993959" y="5550268"/>
+            <a:ext cx="2410823" cy="707886"/>
+          </a:xfrm>
+          <a:prstGeom prst="rect">
+            <a:avLst/>
+          </a:prstGeom>
+          <a:ln>
+            <a:solidFill>
+              <a:srgbClr val="FCD5B5"/>
+            </a:solidFill>
+          </a:ln>
+        </p:spPr>
+        <p:style>
+          <a:lnRef idx="2">
+            <a:schemeClr val="accent6"/>
+          </a:lnRef>
+          <a:fillRef idx="1">
+            <a:schemeClr val="lt1"/>
+          </a:fillRef>
+          <a:effectRef idx="0">
+            <a:schemeClr val="accent6"/>
+          </a:effectRef>
+          <a:fontRef idx="minor">
+            <a:schemeClr val="dk1"/>
+          </a:fontRef>
+        </p:style>
+        <p:txBody>
+          <a:bodyPr wrap="square" rtlCol="0">
+            <a:spAutoFit/>
+          </a:bodyPr>
+          <a:lstStyle/>
+          <a:p>
+            <a:pPr algn="ctr"/>
+            <a:r>
+              <a:rPr lang="en-US" sz="2000" dirty="0">
+                <a:solidFill>
+                  <a:schemeClr val="accent6"/>
+                </a:solidFill>
+              </a:rPr>
+              <a:t>m</a:t>
+            </a:r>
+            <a:r>
+              <a:rPr lang="en-US" sz="2000" dirty="0" smtClean="0">
+                <a:solidFill>
+                  <a:schemeClr val="accent6"/>
+                </a:solidFill>
+              </a:rPr>
+              <a:t>ulti-step bootstrap targets</a:t>
+            </a:r>
+            <a:endParaRPr lang="en-US" sz="2000" dirty="0">
+              <a:solidFill>
+                <a:schemeClr val="accent6"/>
+              </a:solidFill>
+            </a:endParaRPr>
+          </a:p>
+        </p:txBody>
+      </p:sp>
+      <p:sp>
+        <p:nvSpPr>
+          <p:cNvPr id="148" name="TextBox 147"/>
+          <p:cNvSpPr txBox="1"/>
+          <p:nvPr/>
+        </p:nvSpPr>
+        <p:spPr>
+          <a:xfrm>
+            <a:off x="9703184" y="5559919"/>
+            <a:ext cx="2380278" cy="400110"/>
+          </a:xfrm>
+          <a:prstGeom prst="rect">
+            <a:avLst/>
+          </a:prstGeom>
+          <a:ln>
+            <a:solidFill>
+              <a:srgbClr val="FCD5B5"/>
+            </a:solidFill>
+          </a:ln>
+        </p:spPr>
+        <p:style>
+          <a:lnRef idx="2">
+            <a:schemeClr val="accent6"/>
+          </a:lnRef>
+          <a:fillRef idx="1">
+            <a:schemeClr val="lt1"/>
+          </a:fillRef>
+          <a:effectRef idx="0">
+            <a:schemeClr val="accent6"/>
+          </a:effectRef>
+          <a:fontRef idx="minor">
+            <a:schemeClr val="dk1"/>
+          </a:fontRef>
+        </p:style>
+        <p:txBody>
+          <a:bodyPr wrap="square" rtlCol="0">
+            <a:spAutoFit/>
+          </a:bodyPr>
+          <a:lstStyle/>
+          <a:p>
+            <a:r>
+              <a:rPr lang="en-US" sz="2000" dirty="0" smtClean="0">
+                <a:solidFill>
+                  <a:schemeClr val="accent6"/>
+                </a:solidFill>
+              </a:rPr>
+              <a:t>noisy net exploration</a:t>
+            </a:r>
+            <a:endParaRPr lang="en-US" sz="2000" dirty="0">
+              <a:solidFill>
+                <a:schemeClr val="accent6"/>
+              </a:solidFill>
+            </a:endParaRPr>
           </a:p>
         </p:txBody>
       </p:sp>

--- a/images/rl_algos.pptx
+++ b/images/rl_algos.pptx
@@ -288,7 +288,7 @@
           <a:p>
             <a:fld id="{860E8F77-DC64-AA4C-8F34-1C34EF1FA77F}" type="datetimeFigureOut">
               <a:rPr lang="en-US" smtClean="0"/>
-              <a:t>3/20/19</a:t>
+              <a:t>3/25/19</a:t>
             </a:fld>
             <a:endParaRPr lang="en-US"/>
           </a:p>
@@ -458,7 +458,7 @@
           <a:p>
             <a:fld id="{860E8F77-DC64-AA4C-8F34-1C34EF1FA77F}" type="datetimeFigureOut">
               <a:rPr lang="en-US" smtClean="0"/>
-              <a:t>3/20/19</a:t>
+              <a:t>3/25/19</a:t>
             </a:fld>
             <a:endParaRPr lang="en-US"/>
           </a:p>
@@ -638,7 +638,7 @@
           <a:p>
             <a:fld id="{860E8F77-DC64-AA4C-8F34-1C34EF1FA77F}" type="datetimeFigureOut">
               <a:rPr lang="en-US" smtClean="0"/>
-              <a:t>3/20/19</a:t>
+              <a:t>3/25/19</a:t>
             </a:fld>
             <a:endParaRPr lang="en-US"/>
           </a:p>
@@ -808,7 +808,7 @@
           <a:p>
             <a:fld id="{860E8F77-DC64-AA4C-8F34-1C34EF1FA77F}" type="datetimeFigureOut">
               <a:rPr lang="en-US" smtClean="0"/>
-              <a:t>3/20/19</a:t>
+              <a:t>3/25/19</a:t>
             </a:fld>
             <a:endParaRPr lang="en-US"/>
           </a:p>
@@ -1054,7 +1054,7 @@
           <a:p>
             <a:fld id="{860E8F77-DC64-AA4C-8F34-1C34EF1FA77F}" type="datetimeFigureOut">
               <a:rPr lang="en-US" smtClean="0"/>
-              <a:t>3/20/19</a:t>
+              <a:t>3/25/19</a:t>
             </a:fld>
             <a:endParaRPr lang="en-US"/>
           </a:p>
@@ -1342,7 +1342,7 @@
           <a:p>
             <a:fld id="{860E8F77-DC64-AA4C-8F34-1C34EF1FA77F}" type="datetimeFigureOut">
               <a:rPr lang="en-US" smtClean="0"/>
-              <a:t>3/20/19</a:t>
+              <a:t>3/25/19</a:t>
             </a:fld>
             <a:endParaRPr lang="en-US"/>
           </a:p>
@@ -1764,7 +1764,7 @@
           <a:p>
             <a:fld id="{860E8F77-DC64-AA4C-8F34-1C34EF1FA77F}" type="datetimeFigureOut">
               <a:rPr lang="en-US" smtClean="0"/>
-              <a:t>3/20/19</a:t>
+              <a:t>3/25/19</a:t>
             </a:fld>
             <a:endParaRPr lang="en-US"/>
           </a:p>
@@ -1882,7 +1882,7 @@
           <a:p>
             <a:fld id="{860E8F77-DC64-AA4C-8F34-1C34EF1FA77F}" type="datetimeFigureOut">
               <a:rPr lang="en-US" smtClean="0"/>
-              <a:t>3/20/19</a:t>
+              <a:t>3/25/19</a:t>
             </a:fld>
             <a:endParaRPr lang="en-US"/>
           </a:p>
@@ -1977,7 +1977,7 @@
           <a:p>
             <a:fld id="{860E8F77-DC64-AA4C-8F34-1C34EF1FA77F}" type="datetimeFigureOut">
               <a:rPr lang="en-US" smtClean="0"/>
-              <a:t>3/20/19</a:t>
+              <a:t>3/25/19</a:t>
             </a:fld>
             <a:endParaRPr lang="en-US"/>
           </a:p>
@@ -2254,7 +2254,7 @@
           <a:p>
             <a:fld id="{860E8F77-DC64-AA4C-8F34-1C34EF1FA77F}" type="datetimeFigureOut">
               <a:rPr lang="en-US" smtClean="0"/>
-              <a:t>3/20/19</a:t>
+              <a:t>3/25/19</a:t>
             </a:fld>
             <a:endParaRPr lang="en-US"/>
           </a:p>
@@ -2507,7 +2507,7 @@
           <a:p>
             <a:fld id="{860E8F77-DC64-AA4C-8F34-1C34EF1FA77F}" type="datetimeFigureOut">
               <a:rPr lang="en-US" smtClean="0"/>
-              <a:t>3/20/19</a:t>
+              <a:t>3/25/19</a:t>
             </a:fld>
             <a:endParaRPr lang="en-US"/>
           </a:p>
@@ -2720,7 +2720,7 @@
           <a:p>
             <a:fld id="{860E8F77-DC64-AA4C-8F34-1C34EF1FA77F}" type="datetimeFigureOut">
               <a:rPr lang="en-US" smtClean="0"/>
-              <a:t>3/20/19</a:t>
+              <a:t>3/25/19</a:t>
             </a:fld>
             <a:endParaRPr lang="en-US"/>
           </a:p>
@@ -3173,11 +3173,7 @@
             <a:pPr algn="ctr"/>
             <a:r>
               <a:rPr lang="en-US" sz="2400" dirty="0" smtClean="0"/>
-              <a:t>TD </a:t>
-            </a:r>
-            <a:r>
-              <a:rPr lang="en-US" sz="2400" dirty="0" smtClean="0"/>
-              <a:t>control</a:t>
+              <a:t>TD control</a:t>
             </a:r>
             <a:endParaRPr lang="en-US" sz="2400" dirty="0"/>
           </a:p>
@@ -3429,11 +3425,7 @@
             <a:pPr algn="ctr"/>
             <a:r>
               <a:rPr lang="en-US" sz="2400" dirty="0" smtClean="0"/>
-              <a:t>Distributional </a:t>
-            </a:r>
-            <a:r>
-              <a:rPr lang="en-US" sz="2400" dirty="0" smtClean="0"/>
-              <a:t>DQN</a:t>
+              <a:t>Distributional DQN</a:t>
             </a:r>
             <a:endParaRPr lang="en-US" sz="2400" dirty="0"/>
           </a:p>
@@ -3475,11 +3467,7 @@
             <a:pPr algn="ctr"/>
             <a:r>
               <a:rPr lang="en-US" sz="2400" dirty="0" smtClean="0"/>
-              <a:t>Noisy </a:t>
-            </a:r>
-            <a:r>
-              <a:rPr lang="en-US" sz="2400" dirty="0" smtClean="0"/>
-              <a:t>DQN</a:t>
+              <a:t>Noisy DQN</a:t>
             </a:r>
             <a:endParaRPr lang="en-US" sz="2400" dirty="0"/>
           </a:p>
@@ -4577,15 +4565,7 @@
                   <a:schemeClr val="accent6"/>
                 </a:solidFill>
               </a:rPr>
-              <a:t>prioritized </a:t>
-            </a:r>
-            <a:r>
-              <a:rPr lang="en-US" sz="2000" dirty="0" smtClean="0">
-                <a:solidFill>
-                  <a:schemeClr val="accent6"/>
-                </a:solidFill>
-              </a:rPr>
-              <a:t>sampling</a:t>
+              <a:t>prioritized sampling</a:t>
             </a:r>
             <a:endParaRPr lang="en-US" sz="2000" dirty="0">
               <a:solidFill>
@@ -5004,15 +4984,7 @@
                   <a:schemeClr val="accent6"/>
                 </a:solidFill>
               </a:rPr>
-              <a:t>natural </a:t>
-            </a:r>
-            <a:r>
-              <a:rPr lang="en-US" sz="2000" dirty="0" smtClean="0">
-                <a:solidFill>
-                  <a:schemeClr val="accent6"/>
-                </a:solidFill>
-              </a:rPr>
-              <a:t>gradient</a:t>
+              <a:t>natural gradient</a:t>
             </a:r>
             <a:endParaRPr lang="en-US" sz="2000" dirty="0">
               <a:solidFill>
@@ -5185,6 +5157,91 @@
           </a:p>
         </p:txBody>
       </p:sp>
+      <p:sp>
+        <p:nvSpPr>
+          <p:cNvPr id="49" name="Rounded Rectangle 48"/>
+          <p:cNvSpPr/>
+          <p:nvPr/>
+        </p:nvSpPr>
+        <p:spPr>
+          <a:xfrm>
+            <a:off x="0" y="3453984"/>
+            <a:ext cx="1761063" cy="1143352"/>
+          </a:xfrm>
+          <a:prstGeom prst="roundRect">
+            <a:avLst/>
+          </a:prstGeom>
+        </p:spPr>
+        <p:style>
+          <a:lnRef idx="2">
+            <a:schemeClr val="accent1"/>
+          </a:lnRef>
+          <a:fillRef idx="1">
+            <a:schemeClr val="lt1"/>
+          </a:fillRef>
+          <a:effectRef idx="0">
+            <a:schemeClr val="accent1"/>
+          </a:effectRef>
+          <a:fontRef idx="minor">
+            <a:schemeClr val="dk1"/>
+          </a:fontRef>
+        </p:style>
+        <p:txBody>
+          <a:bodyPr rtlCol="0" anchor="ctr"/>
+          <a:lstStyle/>
+          <a:p>
+            <a:pPr algn="ctr"/>
+            <a:r>
+              <a:rPr lang="en-US" sz="2400" dirty="0" smtClean="0"/>
+              <a:t>Recurrent</a:t>
+            </a:r>
+          </a:p>
+          <a:p>
+            <a:pPr algn="ctr"/>
+            <a:r>
+              <a:rPr lang="en-US" sz="2400" dirty="0" smtClean="0"/>
+              <a:t>DQN</a:t>
+            </a:r>
+            <a:endParaRPr lang="en-US" sz="2400" dirty="0"/>
+          </a:p>
+        </p:txBody>
+      </p:sp>
+      <p:cxnSp>
+        <p:nvCxnSpPr>
+          <p:cNvPr id="3" name="Straight Arrow Connector 2"/>
+          <p:cNvCxnSpPr>
+            <a:stCxn id="7" idx="2"/>
+            <a:endCxn id="49" idx="3"/>
+          </p:cNvCxnSpPr>
+          <p:nvPr/>
+        </p:nvCxnSpPr>
+        <p:spPr>
+          <a:xfrm flipH="1" flipV="1">
+            <a:off x="1761063" y="4025660"/>
+            <a:ext cx="4087021" cy="27627"/>
+          </a:xfrm>
+          <a:prstGeom prst="straightConnector1">
+            <a:avLst/>
+          </a:prstGeom>
+          <a:ln>
+            <a:tailEnd type="arrow"/>
+          </a:ln>
+        </p:spPr>
+        <p:style>
+          <a:lnRef idx="2">
+            <a:schemeClr val="accent1"/>
+          </a:lnRef>
+          <a:fillRef idx="0">
+            <a:schemeClr val="accent1"/>
+          </a:fillRef>
+          <a:effectRef idx="1">
+            <a:schemeClr val="accent1"/>
+          </a:effectRef>
+          <a:fontRef idx="minor">
+            <a:schemeClr val="tx1"/>
+          </a:fontRef>
+        </p:style>
+      </p:cxnSp>
     </p:spTree>
     <p:extLst>
       <p:ext uri="{BB962C8B-B14F-4D97-AF65-F5344CB8AC3E}">
